--- a/demo/demo_template 1.pptx
+++ b/demo/demo_template 1.pptx
@@ -18,15 +18,15 @@
   <p:notesSz cx="10287000" cy="18288000"/>
   <p:embeddedFontLst>
     <p:embeddedFont>
-      <p:font typeface="DM Sans Bold" panose="020B0604020202020204" charset="-18"/>
+      <p:font typeface="DM Sans Bold" panose="020B0604020202020204" charset="0"/>
       <p:bold r:id="rId8"/>
     </p:embeddedFont>
     <p:embeddedFont>
-      <p:font typeface="DM Sans Regular" panose="020B0604020202020204" charset="-18"/>
+      <p:font typeface="DM Sans Regular" panose="020B0604020202020204" charset="0"/>
       <p:regular r:id="rId9"/>
     </p:embeddedFont>
     <p:embeddedFont>
-      <p:font typeface="Syne SemiBold" pitchFamily="2" charset="-18"/>
+      <p:font typeface="Syne SemiBold" panose="020B0604020202020204" charset="0"/>
       <p:bold r:id="rId10"/>
     </p:embeddedFont>
   </p:embeddedFontLst>
@@ -1144,7 +1144,7 @@
                 <a:ea typeface="Syne Bold" pitchFamily="34" charset="-122"/>
                 <a:cs typeface="Syne Bold" pitchFamily="34" charset="-120"/>
               </a:rPr>
-              <a:t>[Team Name] presents:</a:t>
+              <a:t>Claude presents:</a:t>
             </a:r>
             <a:endParaRPr lang="en-US" sz="4500" dirty="0"/>
           </a:p>
@@ -1446,17 +1446,13 @@
               <a:buNone/>
             </a:pPr>
             <a:r>
-              <a:rPr lang="en-US" sz="2700" kern="0" spc="-75" dirty="0">
+              <a:rPr lang="en-US" sz="2700" dirty="0">
                 <a:solidFill>
-                  <a:srgbClr val="FFFFFF"/>
+                  <a:schemeClr val="bg1"/>
                 </a:solidFill>
-                <a:latin typeface="DM Sans Regular" pitchFamily="34" charset="0"/>
-                <a:ea typeface="DM Sans Regular" pitchFamily="34" charset="-122"/>
-                <a:cs typeface="DM Sans Regular" pitchFamily="34" charset="-120"/>
               </a:rPr>
-              <a:t>[Scenario]</a:t>
+              <a:t>Cinema helper tool</a:t>
             </a:r>
-            <a:endParaRPr lang="en-US" sz="2700" dirty="0"/>
           </a:p>
         </p:txBody>
       </p:sp>
@@ -1538,7 +1534,58 @@
                 <a:ea typeface="DM Sans Regular" pitchFamily="34" charset="-122"/>
                 <a:cs typeface="DM Sans Regular" pitchFamily="34" charset="-120"/>
               </a:rPr>
-              <a:t>[Problem]</a:t>
+              <a:t> - Users want to know what movies they’re able to see at given time</a:t>
+            </a:r>
+          </a:p>
+          <a:p>
+            <a:pPr marL="0" indent="0" algn="l">
+              <a:lnSpc>
+                <a:spcPct val="116667"/>
+              </a:lnSpc>
+              <a:buNone/>
+            </a:pPr>
+            <a:r>
+              <a:rPr lang="en-US" sz="2700" kern="0" spc="-75" dirty="0">
+                <a:solidFill>
+                  <a:srgbClr val="FFFFFF"/>
+                </a:solidFill>
+                <a:latin typeface="DM Sans Regular" pitchFamily="34" charset="0"/>
+              </a:rPr>
+              <a:t> - Users want to know if given movie has good rating among the critics</a:t>
+            </a:r>
+          </a:p>
+          <a:p>
+            <a:pPr marL="0" indent="0" algn="l">
+              <a:lnSpc>
+                <a:spcPct val="116667"/>
+              </a:lnSpc>
+              <a:buNone/>
+            </a:pPr>
+            <a:r>
+              <a:rPr lang="en-US" sz="2700" kern="0" spc="-75" dirty="0">
+                <a:solidFill>
+                  <a:srgbClr val="FFFFFF"/>
+                </a:solidFill>
+                <a:latin typeface="DM Sans Regular" pitchFamily="34" charset="0"/>
+              </a:rPr>
+              <a:t> - User should be able to reserve a ticket</a:t>
+            </a:r>
+          </a:p>
+          <a:p>
+            <a:pPr marL="0" indent="0" algn="l">
+              <a:lnSpc>
+                <a:spcPct val="116667"/>
+              </a:lnSpc>
+              <a:buNone/>
+            </a:pPr>
+            <a:r>
+              <a:rPr lang="en-US" sz="2700" kern="0" spc="-75" dirty="0">
+                <a:solidFill>
+                  <a:srgbClr val="FFFFFF"/>
+                </a:solidFill>
+                <a:latin typeface="DM Sans Regular" pitchFamily="34" charset="0"/>
+              </a:rPr>
+              <a:t> - Cinema employee should be able to review and act on reservation</a:t>
             </a:r>
             <a:endParaRPr lang="en-US" sz="2700" dirty="0"/>
           </a:p>

--- a/demo/demo_template 1.pptx
+++ b/demo/demo_template 1.pptx
@@ -1144,7 +1144,7 @@
                 <a:ea typeface="Syne Bold" pitchFamily="34" charset="-122"/>
                 <a:cs typeface="Syne Bold" pitchFamily="34" charset="-120"/>
               </a:rPr>
-              <a:t>Claude presents:</a:t>
+              <a:t>Team Claude presents:</a:t>
             </a:r>
             <a:endParaRPr lang="en-US" sz="4500" dirty="0"/>
           </a:p>
@@ -1169,6 +1169,46 @@
         </p:spPr>
         <p:txBody>
           <a:bodyPr wrap="square" lIns="0" tIns="0" rIns="0" bIns="0" rtlCol="0" anchor="t"/>
+          <a:lstStyle/>
+          <a:p>
+            <a:r>
+              <a:rPr lang="en-US" sz="7200" b="1" dirty="0" err="1">
+                <a:solidFill>
+                  <a:schemeClr val="bg1"/>
+                </a:solidFill>
+              </a:rPr>
+              <a:t>CineMate</a:t>
+            </a:r>
+            <a:r>
+              <a:rPr lang="en-US" sz="7200" dirty="0">
+                <a:solidFill>
+                  <a:schemeClr val="bg1"/>
+                </a:solidFill>
+              </a:rPr>
+              <a:t> </a:t>
+            </a:r>
+          </a:p>
+        </p:txBody>
+      </p:sp>
+      <p:sp>
+        <p:nvSpPr>
+          <p:cNvPr id="8" name="Scenario"/>
+          <p:cNvSpPr/>
+          <p:nvPr/>
+        </p:nvSpPr>
+        <p:spPr>
+          <a:xfrm>
+            <a:off x="3810000" y="5976937"/>
+            <a:ext cx="12887325" cy="552450"/>
+          </a:xfrm>
+          <a:prstGeom prst="rect">
+            <a:avLst/>
+          </a:prstGeom>
+          <a:noFill/>
+          <a:ln/>
+        </p:spPr>
+        <p:txBody>
+          <a:bodyPr wrap="square" lIns="0" tIns="0" rIns="0" bIns="0" rtlCol="0" anchor="b"/>
           <a:lstStyle/>
           <a:p>
             <a:pPr marL="0" indent="0" algn="l">
@@ -1178,7 +1218,7 @@
               <a:buNone/>
             </a:pPr>
             <a:r>
-              <a:rPr lang="en-US" sz="7200" b="1" kern="0" spc="-150" dirty="0">
+              <a:rPr lang="en-US" sz="3600" b="1" kern="0" spc="-75" dirty="0">
                 <a:solidFill>
                   <a:srgbClr val="FFFFFF"/>
                 </a:solidFill>
@@ -1186,49 +1226,7 @@
                 <a:ea typeface="Syne Bold" pitchFamily="34" charset="-122"/>
                 <a:cs typeface="Syne Bold" pitchFamily="34" charset="-120"/>
               </a:rPr>
-              <a:t>[Project Name]</a:t>
-            </a:r>
-            <a:endParaRPr lang="en-US" sz="7200" dirty="0"/>
-          </a:p>
-        </p:txBody>
-      </p:sp>
-      <p:sp>
-        <p:nvSpPr>
-          <p:cNvPr id="8" name="Scenario"/>
-          <p:cNvSpPr/>
-          <p:nvPr/>
-        </p:nvSpPr>
-        <p:spPr>
-          <a:xfrm>
-            <a:off x="3810000" y="5976937"/>
-            <a:ext cx="12887325" cy="552450"/>
-          </a:xfrm>
-          <a:prstGeom prst="rect">
-            <a:avLst/>
-          </a:prstGeom>
-          <a:noFill/>
-          <a:ln/>
-        </p:spPr>
-        <p:txBody>
-          <a:bodyPr wrap="square" lIns="0" tIns="0" rIns="0" bIns="0" rtlCol="0" anchor="b"/>
-          <a:lstStyle/>
-          <a:p>
-            <a:pPr marL="0" indent="0" algn="l">
-              <a:lnSpc>
-                <a:spcPct val="100000"/>
-              </a:lnSpc>
-              <a:buNone/>
-            </a:pPr>
-            <a:r>
-              <a:rPr lang="en-US" sz="3600" b="1" kern="0" spc="-75" dirty="0">
-                <a:solidFill>
-                  <a:srgbClr val="FFFFFF"/>
-                </a:solidFill>
-                <a:latin typeface="Syne SemiBold" pitchFamily="2" charset="-18"/>
-                <a:ea typeface="Syne Bold" pitchFamily="34" charset="-122"/>
-                <a:cs typeface="Syne Bold" pitchFamily="34" charset="-120"/>
-              </a:rPr>
-              <a:t>[Scenario]</a:t>
+              <a:t>Your Cinema Companion</a:t>
             </a:r>
             <a:endParaRPr lang="en-US" sz="3600" dirty="0"/>
           </a:p>
@@ -1451,7 +1449,7 @@
                   <a:schemeClr val="bg1"/>
                 </a:solidFill>
               </a:rPr>
-              <a:t>Cinema helper tool</a:t>
+              <a:t>You want to catch a movie but juggling multiple apps for browsing, booking, and managing tickets is frustrating.</a:t>
             </a:r>
           </a:p>
         </p:txBody>
@@ -1534,9 +1532,74 @@
                 <a:ea typeface="DM Sans Regular" pitchFamily="34" charset="-122"/>
                 <a:cs typeface="DM Sans Regular" pitchFamily="34" charset="-120"/>
               </a:rPr>
-              <a:t> - Users want to know what movies they’re able to see at given time</a:t>
-            </a:r>
-          </a:p>
+              <a:t>Finding current movies, checking details, reserving seats, and managing bookings across platforms is slow, confusing, and prone to mistakes.</a:t>
+            </a:r>
+            <a:endParaRPr lang="en-US" sz="2700" dirty="0"/>
+          </a:p>
+        </p:txBody>
+      </p:sp>
+      <p:sp>
+        <p:nvSpPr>
+          <p:cNvPr id="9" name="Header 2"/>
+          <p:cNvSpPr/>
+          <p:nvPr/>
+        </p:nvSpPr>
+        <p:spPr>
+          <a:xfrm>
+            <a:off x="2247900" y="6515100"/>
+            <a:ext cx="2028825" cy="552450"/>
+          </a:xfrm>
+          <a:prstGeom prst="rect">
+            <a:avLst/>
+          </a:prstGeom>
+          <a:noFill/>
+          <a:ln/>
+        </p:spPr>
+        <p:txBody>
+          <a:bodyPr wrap="square" lIns="0" tIns="0" rIns="0" bIns="0" rtlCol="0" anchor="t"/>
+          <a:lstStyle/>
+          <a:p>
+            <a:pPr marL="0" indent="0" algn="l">
+              <a:lnSpc>
+                <a:spcPct val="100000"/>
+              </a:lnSpc>
+              <a:buNone/>
+            </a:pPr>
+            <a:r>
+              <a:rPr lang="en-US" sz="3600" b="1" kern="0" spc="-75" dirty="0">
+                <a:solidFill>
+                  <a:srgbClr val="FFFFFF"/>
+                </a:solidFill>
+                <a:latin typeface="Syne SemiBold" pitchFamily="2" charset="-18"/>
+                <a:ea typeface="Syne Bold" pitchFamily="34" charset="-122"/>
+                <a:cs typeface="Syne Bold" pitchFamily="34" charset="-120"/>
+              </a:rPr>
+              <a:t>Solution</a:t>
+            </a:r>
+            <a:endParaRPr lang="en-US" sz="3600" dirty="0"/>
+          </a:p>
+        </p:txBody>
+      </p:sp>
+      <p:sp>
+        <p:nvSpPr>
+          <p:cNvPr id="10" name="Body 1"/>
+          <p:cNvSpPr/>
+          <p:nvPr/>
+        </p:nvSpPr>
+        <p:spPr>
+          <a:xfrm>
+            <a:off x="2247900" y="7258050"/>
+            <a:ext cx="14458950" cy="2555334"/>
+          </a:xfrm>
+          <a:prstGeom prst="rect">
+            <a:avLst/>
+          </a:prstGeom>
+          <a:noFill/>
+          <a:ln/>
+        </p:spPr>
+        <p:txBody>
+          <a:bodyPr wrap="square" lIns="0" tIns="0" rIns="0" bIns="0" rtlCol="0" anchor="t"/>
+          <a:lstStyle/>
           <a:p>
             <a:pPr marL="0" indent="0" algn="l">
               <a:lnSpc>
@@ -1550,8 +1613,10 @@
                   <a:srgbClr val="FFFFFF"/>
                 </a:solidFill>
                 <a:latin typeface="DM Sans Regular" pitchFamily="34" charset="0"/>
-              </a:rPr>
-              <a:t> - Users want to know if given movie has good rating among the critics</a:t>
+                <a:ea typeface="DM Sans Regular" pitchFamily="34" charset="-122"/>
+                <a:cs typeface="DM Sans Regular" pitchFamily="34" charset="-120"/>
+              </a:rPr>
+              <a:t>A single, smart tool that:</a:t>
             </a:r>
           </a:p>
           <a:p>
@@ -1567,8 +1632,10 @@
                   <a:srgbClr val="FFFFFF"/>
                 </a:solidFill>
                 <a:latin typeface="DM Sans Regular" pitchFamily="34" charset="0"/>
-              </a:rPr>
-              <a:t> - User should be able to reserve a ticket</a:t>
+                <a:ea typeface="DM Sans Regular" pitchFamily="34" charset="-122"/>
+                <a:cs typeface="DM Sans Regular" pitchFamily="34" charset="-120"/>
+              </a:rPr>
+              <a:t> - Shows current movies and searches titles.</a:t>
             </a:r>
           </a:p>
           <a:p>
@@ -1584,75 +1651,12 @@
                   <a:srgbClr val="FFFFFF"/>
                 </a:solidFill>
                 <a:latin typeface="DM Sans Regular" pitchFamily="34" charset="0"/>
-              </a:rPr>
-              <a:t> - Cinema employee should be able to review and act on reservation</a:t>
-            </a:r>
-            <a:endParaRPr lang="en-US" sz="2700" dirty="0"/>
-          </a:p>
-        </p:txBody>
-      </p:sp>
-      <p:sp>
-        <p:nvSpPr>
-          <p:cNvPr id="9" name="Header 2"/>
-          <p:cNvSpPr/>
-          <p:nvPr/>
-        </p:nvSpPr>
-        <p:spPr>
-          <a:xfrm>
-            <a:off x="2247900" y="6515100"/>
-            <a:ext cx="2028825" cy="552450"/>
-          </a:xfrm>
-          <a:prstGeom prst="rect">
-            <a:avLst/>
-          </a:prstGeom>
-          <a:noFill/>
-          <a:ln/>
-        </p:spPr>
-        <p:txBody>
-          <a:bodyPr wrap="square" lIns="0" tIns="0" rIns="0" bIns="0" rtlCol="0" anchor="t"/>
-          <a:lstStyle/>
-          <a:p>
-            <a:pPr marL="0" indent="0" algn="l">
-              <a:lnSpc>
-                <a:spcPct val="100000"/>
-              </a:lnSpc>
-              <a:buNone/>
-            </a:pPr>
-            <a:r>
-              <a:rPr lang="en-US" sz="3600" b="1" kern="0" spc="-75" dirty="0">
-                <a:solidFill>
-                  <a:srgbClr val="FFFFFF"/>
-                </a:solidFill>
-                <a:latin typeface="Syne SemiBold" pitchFamily="2" charset="-18"/>
-                <a:ea typeface="Syne Bold" pitchFamily="34" charset="-122"/>
-                <a:cs typeface="Syne Bold" pitchFamily="34" charset="-120"/>
-              </a:rPr>
-              <a:t>Solution</a:t>
-            </a:r>
-            <a:endParaRPr lang="en-US" sz="3600" dirty="0"/>
-          </a:p>
-        </p:txBody>
-      </p:sp>
-      <p:sp>
-        <p:nvSpPr>
-          <p:cNvPr id="10" name="Body 1"/>
-          <p:cNvSpPr/>
-          <p:nvPr/>
-        </p:nvSpPr>
-        <p:spPr>
-          <a:xfrm>
-            <a:off x="2247900" y="7258050"/>
-            <a:ext cx="14458950" cy="1809750"/>
-          </a:xfrm>
-          <a:prstGeom prst="rect">
-            <a:avLst/>
-          </a:prstGeom>
-          <a:noFill/>
-          <a:ln/>
-        </p:spPr>
-        <p:txBody>
-          <a:bodyPr wrap="square" lIns="0" tIns="0" rIns="0" bIns="0" rtlCol="0" anchor="t"/>
-          <a:lstStyle/>
+                <a:ea typeface="DM Sans Regular" pitchFamily="34" charset="-122"/>
+                <a:cs typeface="DM Sans Regular" pitchFamily="34" charset="-120"/>
+              </a:rPr>
+              <a:t> - Provides movie details instantly.</a:t>
+            </a:r>
+          </a:p>
           <a:p>
             <a:pPr marL="0" indent="0" algn="l">
               <a:lnSpc>
@@ -1669,7 +1673,26 @@
                 <a:ea typeface="DM Sans Regular" pitchFamily="34" charset="-122"/>
                 <a:cs typeface="DM Sans Regular" pitchFamily="34" charset="-120"/>
               </a:rPr>
-              <a:t>[Solution]</a:t>
+              <a:t> - Lets you make, view, or cancel reservations.</a:t>
+            </a:r>
+          </a:p>
+          <a:p>
+            <a:pPr marL="0" indent="0" algn="l">
+              <a:lnSpc>
+                <a:spcPct val="116667"/>
+              </a:lnSpc>
+              <a:buNone/>
+            </a:pPr>
+            <a:r>
+              <a:rPr lang="en-US" sz="2700" kern="0" spc="-75" dirty="0">
+                <a:solidFill>
+                  <a:srgbClr val="FFFFFF"/>
+                </a:solidFill>
+                <a:latin typeface="DM Sans Regular" pitchFamily="34" charset="0"/>
+                <a:ea typeface="DM Sans Regular" pitchFamily="34" charset="-122"/>
+                <a:cs typeface="DM Sans Regular" pitchFamily="34" charset="-120"/>
+              </a:rPr>
+              <a:t> - Manages all your bookings in one place.</a:t>
             </a:r>
             <a:endParaRPr lang="en-US" sz="2700" dirty="0"/>
           </a:p>
@@ -1796,8 +1819,8 @@
         </p:nvSpPr>
         <p:spPr>
           <a:xfrm>
-            <a:off x="1619249" y="2085975"/>
-            <a:ext cx="14796407" cy="476250"/>
+            <a:off x="1619249" y="2085974"/>
+            <a:ext cx="14796407" cy="1019175"/>
           </a:xfrm>
           <a:prstGeom prst="rect">
             <a:avLst/>
@@ -1824,7 +1847,7 @@
                 <a:ea typeface="DM Sans Bold" pitchFamily="34" charset="-122"/>
                 <a:cs typeface="DM Sans Bold" pitchFamily="34" charset="-120"/>
               </a:rPr>
-              <a:t>[One sentence goal]</a:t>
+              <a:t>Create a seamless, smart, and fun movie-ticket assistant that helps users discover movies, book tickets, and manage reservations effortlessly in one place.</a:t>
             </a:r>
             <a:endParaRPr lang="en-US" sz="2700" dirty="0"/>
           </a:p>
@@ -1881,7 +1904,7 @@
         <p:spPr>
           <a:xfrm>
             <a:off x="1619250" y="4200525"/>
-            <a:ext cx="14796406" cy="1428750"/>
+            <a:ext cx="14796406" cy="3589804"/>
           </a:xfrm>
           <a:prstGeom prst="rect">
             <a:avLst/>
@@ -1901,19 +1924,128 @@
               <a:buChar char="•"/>
             </a:pPr>
             <a:r>
-              <a:rPr lang="en-US" sz="2700" kern="0" spc="-75" dirty="0">
-                <a:solidFill>
-                  <a:srgbClr val="FFFFFF"/>
+              <a:rPr lang="en-US" sz="2700" b="1" kern="0" spc="-75" dirty="0">
+                <a:solidFill>
+                  <a:schemeClr val="bg1"/>
                 </a:solidFill>
                 <a:latin typeface="DM Sans Regular" pitchFamily="34" charset="0"/>
                 <a:ea typeface="DM Sans Regular" pitchFamily="34" charset="-122"/>
                 <a:cs typeface="DM Sans Regular" pitchFamily="34" charset="-120"/>
               </a:rPr>
-              <a:t>[Measurable success criteria]
-[Measurable success criteria]
-[Measurable success criteria]</a:t>
-            </a:r>
-            <a:endParaRPr lang="en-US" sz="2700" dirty="0"/>
+              <a:t>Movie Discovery</a:t>
+            </a:r>
+            <a:r>
+              <a:rPr lang="en-US" sz="2700" kern="0" spc="-75" dirty="0">
+                <a:solidFill>
+                  <a:schemeClr val="bg1"/>
+                </a:solidFill>
+                <a:latin typeface="DM Sans Regular" pitchFamily="34" charset="0"/>
+                <a:ea typeface="DM Sans Regular" pitchFamily="34" charset="-122"/>
+                <a:cs typeface="DM Sans Regular" pitchFamily="34" charset="-120"/>
+              </a:rPr>
+              <a:t>: Users can easily see current movies and search for
+</a:t>
+            </a:r>
+            <a:r>
+              <a:rPr lang="en-US" sz="2700" b="1" kern="0" spc="-75" dirty="0">
+                <a:solidFill>
+                  <a:schemeClr val="bg1"/>
+                </a:solidFill>
+                <a:latin typeface="DM Sans Regular" pitchFamily="34" charset="0"/>
+                <a:ea typeface="DM Sans Regular" pitchFamily="34" charset="-122"/>
+                <a:cs typeface="DM Sans Regular" pitchFamily="34" charset="-120"/>
+              </a:rPr>
+              <a:t>Information Access</a:t>
+            </a:r>
+            <a:r>
+              <a:rPr lang="en-US" sz="2700" kern="0" spc="-75" dirty="0">
+                <a:solidFill>
+                  <a:schemeClr val="bg1"/>
+                </a:solidFill>
+                <a:latin typeface="DM Sans Regular" pitchFamily="34" charset="0"/>
+                <a:ea typeface="DM Sans Regular" pitchFamily="34" charset="-122"/>
+                <a:cs typeface="DM Sans Regular" pitchFamily="34" charset="-120"/>
+              </a:rPr>
+              <a:t>: Users get detailed movie info instantly
+</a:t>
+            </a:r>
+            <a:r>
+              <a:rPr lang="en-US" sz="2700" b="1" kern="0" spc="-75" dirty="0">
+                <a:solidFill>
+                  <a:schemeClr val="bg1"/>
+                </a:solidFill>
+                <a:latin typeface="DM Sans Regular" pitchFamily="34" charset="0"/>
+                <a:ea typeface="DM Sans Regular" pitchFamily="34" charset="-122"/>
+                <a:cs typeface="DM Sans Regular" pitchFamily="34" charset="-120"/>
+              </a:rPr>
+              <a:t>Easy Booking</a:t>
+            </a:r>
+            <a:r>
+              <a:rPr lang="en-US" sz="2700" kern="0" spc="-75" dirty="0">
+                <a:solidFill>
+                  <a:schemeClr val="bg1"/>
+                </a:solidFill>
+                <a:latin typeface="DM Sans Regular" pitchFamily="34" charset="0"/>
+                <a:ea typeface="DM Sans Regular" pitchFamily="34" charset="-122"/>
+                <a:cs typeface="DM Sans Regular" pitchFamily="34" charset="-120"/>
+              </a:rPr>
+              <a:t>: Users can make, acknowledge, or revoke reservations with minimal steps</a:t>
+            </a:r>
+          </a:p>
+          <a:p>
+            <a:pPr marL="457200" indent="-457200" algn="l">
+              <a:lnSpc>
+                <a:spcPct val="116667"/>
+              </a:lnSpc>
+              <a:buFont typeface="Arial" panose="020B0604020202020204" pitchFamily="34" charset="0"/>
+              <a:buChar char="•"/>
+            </a:pPr>
+            <a:r>
+              <a:rPr lang="en-US" sz="2700" b="1" dirty="0">
+                <a:solidFill>
+                  <a:schemeClr val="bg1"/>
+                </a:solidFill>
+              </a:rPr>
+              <a:t>Reservation Management</a:t>
+            </a:r>
+            <a:r>
+              <a:rPr lang="en-US" sz="2700" dirty="0">
+                <a:solidFill>
+                  <a:schemeClr val="bg1"/>
+                </a:solidFill>
+              </a:rPr>
+              <a:t>: Users can view, cancel, or get all reservations in one dashboard</a:t>
+            </a:r>
+          </a:p>
+          <a:p>
+            <a:pPr marL="457200" indent="-457200">
+              <a:lnSpc>
+                <a:spcPct val="116667"/>
+              </a:lnSpc>
+              <a:buFont typeface="Arial" panose="020B0604020202020204" pitchFamily="34" charset="0"/>
+              <a:buChar char="•"/>
+            </a:pPr>
+            <a:r>
+              <a:rPr lang="en-US" sz="2800" b="1" dirty="0">
+                <a:solidFill>
+                  <a:schemeClr val="bg1"/>
+                </a:solidFill>
+              </a:rPr>
+              <a:t>User-Friendly &amp; Fun:</a:t>
+            </a:r>
+            <a:r>
+              <a:rPr lang="en-US" sz="2800" dirty="0">
+                <a:solidFill>
+                  <a:schemeClr val="bg1"/>
+                </a:solidFill>
+              </a:rPr>
+              <a:t> The tool feels intuitive, responsive, and enjoyable, making movie planning effortless</a:t>
+            </a:r>
+            <a:endParaRPr lang="en-US" sz="2700" dirty="0">
+              <a:solidFill>
+                <a:schemeClr val="bg1"/>
+              </a:solidFill>
+            </a:endParaRPr>
           </a:p>
         </p:txBody>
       </p:sp>
@@ -2108,7 +2240,7 @@
                 <a:ea typeface="DM Sans Regular" pitchFamily="34" charset="-122"/>
                 <a:cs typeface="DM Sans Regular" pitchFamily="34" charset="-120"/>
               </a:rPr>
-              <a:t>[description of what it does]</a:t>
+              <a:t>Provides detailed movie information. Manages all bookings in one place.</a:t>
             </a:r>
             <a:endParaRPr lang="en-US" sz="2700" dirty="0"/>
           </a:p>
@@ -2192,7 +2324,7 @@
                 <a:ea typeface="DM Sans Regular" pitchFamily="34" charset="-122"/>
                 <a:cs typeface="DM Sans Regular" pitchFamily="34" charset="-120"/>
               </a:rPr>
-              <a:t>[description of inputs]</a:t>
+              <a:t>Movie titles, genres, dates, times, and user reservation commands.</a:t>
             </a:r>
             <a:endParaRPr lang="en-US" sz="2700" dirty="0"/>
           </a:p>
@@ -2276,49 +2408,7 @@
                 <a:ea typeface="DM Sans Regular" pitchFamily="34" charset="-122"/>
                 <a:cs typeface="DM Sans Regular" pitchFamily="34" charset="-120"/>
               </a:rPr>
-              <a:t>[description of outputs]</a:t>
-            </a:r>
-            <a:endParaRPr lang="en-US" sz="2700" dirty="0"/>
-          </a:p>
-        </p:txBody>
-      </p:sp>
-      <p:sp>
-        <p:nvSpPr>
-          <p:cNvPr id="11" name="Header 3"/>
-          <p:cNvSpPr/>
-          <p:nvPr/>
-        </p:nvSpPr>
-        <p:spPr>
-          <a:xfrm>
-            <a:off x="2571750" y="7000875"/>
-            <a:ext cx="2400300" cy="457200"/>
-          </a:xfrm>
-          <a:prstGeom prst="rect">
-            <a:avLst/>
-          </a:prstGeom>
-          <a:noFill/>
-          <a:ln/>
-        </p:spPr>
-        <p:txBody>
-          <a:bodyPr wrap="square" lIns="0" tIns="0" rIns="0" bIns="0" rtlCol="0" anchor="t"/>
-          <a:lstStyle/>
-          <a:p>
-            <a:pPr marL="0" indent="0" algn="l">
-              <a:lnSpc>
-                <a:spcPct val="110000"/>
-              </a:lnSpc>
-              <a:buNone/>
-            </a:pPr>
-            <a:r>
-              <a:rPr lang="en-US" sz="2700" b="1" kern="0" spc="-75" dirty="0">
-                <a:solidFill>
-                  <a:srgbClr val="FFFFFF"/>
-                </a:solidFill>
-                <a:latin typeface="Syne SemiBold" pitchFamily="2" charset="-18"/>
-                <a:ea typeface="Syne Bold" pitchFamily="34" charset="-122"/>
-                <a:cs typeface="Syne Bold" pitchFamily="34" charset="-120"/>
-              </a:rPr>
-              <a:t>Out of scope</a:t>
+              <a:t>Movie lists, movie details, reservation confirmations, cancellation updates, and user reservation summaries.</a:t>
             </a:r>
             <a:endParaRPr lang="en-US" sz="2700" dirty="0"/>
           </a:p>
@@ -2352,19 +2442,6 @@
               <a:buFont typeface="Arial" panose="020B0604020202020204" pitchFamily="34" charset="0"/>
               <a:buChar char="•"/>
             </a:pPr>
-            <a:r>
-              <a:rPr lang="en-US" sz="2700" kern="0" spc="-75" dirty="0">
-                <a:solidFill>
-                  <a:srgbClr val="FFFFFF"/>
-                </a:solidFill>
-                <a:latin typeface="DM Sans Regular" pitchFamily="34" charset="0"/>
-                <a:ea typeface="DM Sans Regular" pitchFamily="34" charset="-122"/>
-                <a:cs typeface="DM Sans Regular" pitchFamily="34" charset="-120"/>
-              </a:rPr>
-              <a:t>[out of scope]
-[out of scope]
-[out of scope]</a:t>
-            </a:r>
             <a:endParaRPr lang="en-US" sz="2700" dirty="0"/>
           </a:p>
         </p:txBody>

--- a/demo/demo_template 1.pptx
+++ b/demo/demo_template 1.pptx
@@ -1268,7 +1268,7 @@
                 <a:ea typeface="DM Sans Regular" pitchFamily="34" charset="-122"/>
                 <a:cs typeface="DM Sans Regular" pitchFamily="34" charset="-120"/>
               </a:rPr>
-              <a:t>[Motto]</a:t>
+              <a:t>Your movie, one chat away</a:t>
             </a:r>
             <a:endParaRPr lang="en-US" sz="2700" dirty="0"/>
           </a:p>
@@ -1532,7 +1532,7 @@
                 <a:ea typeface="DM Sans Regular" pitchFamily="34" charset="-122"/>
                 <a:cs typeface="DM Sans Regular" pitchFamily="34" charset="-120"/>
               </a:rPr>
-              <a:t>Finding current movies, checking details, reserving seats, and managing bookings across platforms is slow, confusing, and prone to mistakes.</a:t>
+              <a:t>Finding current movies, seeing their reviews, checking details, reserving seats, and managing bookings across platforms is slow, confusing, and prone to mistakes.</a:t>
             </a:r>
             <a:endParaRPr lang="en-US" sz="2700" dirty="0"/>
           </a:p>
@@ -1943,7 +1943,7 @@
                 <a:ea typeface="DM Sans Regular" pitchFamily="34" charset="-122"/>
                 <a:cs typeface="DM Sans Regular" pitchFamily="34" charset="-120"/>
               </a:rPr>
-              <a:t>: Users can easily see current movies and search for
+              <a:t>: Users can easily see current movies and their reviews
 </a:t>
             </a:r>
             <a:r>
@@ -1994,31 +1994,6 @@
           </a:p>
           <a:p>
             <a:pPr marL="457200" indent="-457200" algn="l">
-              <a:lnSpc>
-                <a:spcPct val="116667"/>
-              </a:lnSpc>
-              <a:buFont typeface="Arial" panose="020B0604020202020204" pitchFamily="34" charset="0"/>
-              <a:buChar char="•"/>
-            </a:pPr>
-            <a:r>
-              <a:rPr lang="en-US" sz="2700" b="1" dirty="0">
-                <a:solidFill>
-                  <a:schemeClr val="bg1"/>
-                </a:solidFill>
-              </a:rPr>
-              <a:t>Reservation Management</a:t>
-            </a:r>
-            <a:r>
-              <a:rPr lang="en-US" sz="2700" dirty="0">
-                <a:solidFill>
-                  <a:schemeClr val="bg1"/>
-                </a:solidFill>
-              </a:rPr>
-              <a:t>: Users can view, cancel, or get all reservations in one dashboard</a:t>
-            </a:r>
-          </a:p>
-          <a:p>
-            <a:pPr marL="457200" indent="-457200">
               <a:lnSpc>
                 <a:spcPct val="116667"/>
               </a:lnSpc>
@@ -2408,7 +2383,7 @@
                 <a:ea typeface="DM Sans Regular" pitchFamily="34" charset="-122"/>
                 <a:cs typeface="DM Sans Regular" pitchFamily="34" charset="-120"/>
               </a:rPr>
-              <a:t>Movie lists, movie details, reservation confirmations, cancellation updates, and user reservation summaries.</a:t>
+              <a:t>Movie lists, movie reviews, movie details, reservation confirmations, cancellation updates, and user reservation summaries.</a:t>
             </a:r>
             <a:endParaRPr lang="en-US" sz="2700" dirty="0"/>
           </a:p>

--- a/demo/demo_template 1.pptx
+++ b/demo/demo_template 1.pptx
@@ -2563,6 +2563,53 @@
           </a:p>
         </p:txBody>
       </p:sp>
+      <p:pic>
+        <p:nvPicPr>
+          <p:cNvPr id="1026" name="Picture 2" descr="Absolute Cinema | Know Your Meme">
+            <a:extLst>
+              <a:ext uri="{FF2B5EF4-FFF2-40B4-BE49-F238E27FC236}">
+                <a16:creationId xmlns:a16="http://schemas.microsoft.com/office/drawing/2014/main" id="{30594F03-65AA-F57C-0398-F6D4DA89B58E}"/>
+              </a:ext>
+            </a:extLst>
+          </p:cNvPr>
+          <p:cNvPicPr>
+            <a:picLocks noChangeAspect="1" noChangeArrowheads="1"/>
+          </p:cNvPicPr>
+          <p:nvPr/>
+        </p:nvPicPr>
+        <p:blipFill>
+          <a:blip r:embed="rId7">
+            <a:extLst>
+              <a:ext uri="{28A0092B-C50C-407E-A947-70E740481C1C}">
+                <a14:useLocalDpi xmlns:a14="http://schemas.microsoft.com/office/drawing/2010/main" val="0"/>
+              </a:ext>
+            </a:extLst>
+          </a:blip>
+          <a:srcRect/>
+          <a:stretch>
+            <a:fillRect/>
+          </a:stretch>
+        </p:blipFill>
+        <p:spPr bwMode="auto">
+          <a:xfrm>
+            <a:off x="5147733" y="5691188"/>
+            <a:ext cx="7992533" cy="4495800"/>
+          </a:xfrm>
+          <a:prstGeom prst="rect">
+            <a:avLst/>
+          </a:prstGeom>
+          <a:noFill/>
+          <a:extLst>
+            <a:ext uri="{909E8E84-426E-40DD-AFC4-6F175D3DCCD1}">
+              <a14:hiddenFill xmlns:a14="http://schemas.microsoft.com/office/drawing/2010/main">
+                <a:solidFill>
+                  <a:srgbClr val="FFFFFF"/>
+                </a:solidFill>
+              </a14:hiddenFill>
+            </a:ext>
+          </a:extLst>
+        </p:spPr>
+      </p:pic>
     </p:spTree>
   </p:cSld>
   <p:clrMapOvr>

--- a/demo/demo_template 1.pptx
+++ b/demo/demo_template 1.pptx
@@ -18,15 +18,15 @@
   <p:notesSz cx="10287000" cy="18288000"/>
   <p:embeddedFontLst>
     <p:embeddedFont>
-      <p:font typeface="DM Sans Bold" panose="020B0604020202020204" charset="-18"/>
+      <p:font typeface="DM Sans Bold" panose="020B0604020202020204" charset="-120"/>
       <p:bold r:id="rId8"/>
     </p:embeddedFont>
     <p:embeddedFont>
-      <p:font typeface="DM Sans Regular" panose="020B0604020202020204" charset="-18"/>
+      <p:font typeface="DM Sans Regular" panose="02000000000000000000" charset="-120"/>
       <p:regular r:id="rId9"/>
     </p:embeddedFont>
     <p:embeddedFont>
-      <p:font typeface="Syne SemiBold" pitchFamily="2" charset="-18"/>
+      <p:font typeface="Syne SemiBold" panose="020B0604020202020204" charset="0"/>
       <p:bold r:id="rId10"/>
     </p:embeddedFont>
   </p:embeddedFontLst>
@@ -1144,7 +1144,7 @@
                 <a:ea typeface="Syne Bold" pitchFamily="34" charset="-122"/>
                 <a:cs typeface="Syne Bold" pitchFamily="34" charset="-120"/>
               </a:rPr>
-              <a:t>[Team Name] presents:</a:t>
+              <a:t>Mistral presents:</a:t>
             </a:r>
             <a:endParaRPr lang="en-US" sz="4500" dirty="0"/>
           </a:p>
@@ -1184,9 +1184,28 @@
                 </a:solidFill>
                 <a:latin typeface="Syne SemiBold" pitchFamily="2" charset="-18"/>
                 <a:ea typeface="Syne Bold" pitchFamily="34" charset="-122"/>
-                <a:cs typeface="Syne Bold" pitchFamily="34" charset="-120"/>
               </a:rPr>
-              <a:t>[Project Name]</a:t>
+              <a:t>M</a:t>
+            </a:r>
+            <a:r>
+              <a:rPr lang="en-US" sz="7200" b="1" kern="0" spc="-150" dirty="0">
+                <a:solidFill>
+                  <a:srgbClr val="D0772D"/>
+                </a:solidFill>
+                <a:latin typeface="Syne SemiBold" pitchFamily="2" charset="-18"/>
+                <a:ea typeface="Syne Bold" pitchFamily="34" charset="-122"/>
+              </a:rPr>
+              <a:t>aî</a:t>
+            </a:r>
+            <a:r>
+              <a:rPr lang="en-US" sz="7200" b="1" kern="0" spc="-150" dirty="0">
+                <a:solidFill>
+                  <a:srgbClr val="FFFFFF"/>
+                </a:solidFill>
+                <a:latin typeface="Syne SemiBold" pitchFamily="2" charset="-18"/>
+                <a:ea typeface="Syne Bold" pitchFamily="34" charset="-122"/>
+              </a:rPr>
+              <a:t>tre d</a:t>
             </a:r>
             <a:endParaRPr lang="en-US" sz="7200" dirty="0"/>
           </a:p>
@@ -1228,7 +1247,7 @@
                 <a:ea typeface="Syne Bold" pitchFamily="34" charset="-122"/>
                 <a:cs typeface="Syne Bold" pitchFamily="34" charset="-120"/>
               </a:rPr>
-              <a:t>[Scenario]</a:t>
+              <a:t>AI Calorie Tracker &amp; Restaurant Finder</a:t>
             </a:r>
             <a:endParaRPr lang="en-US" sz="3600" dirty="0"/>
           </a:p>
@@ -1255,24 +1274,24 @@
           <a:bodyPr wrap="square" lIns="0" tIns="0" rIns="0" bIns="0" rtlCol="0" anchor="ctr"/>
           <a:lstStyle/>
           <a:p>
-            <a:pPr marL="0" indent="0" algn="r">
+            <a:pPr algn="r">
               <a:lnSpc>
                 <a:spcPct val="116667"/>
               </a:lnSpc>
-              <a:buNone/>
             </a:pPr>
             <a:r>
-              <a:rPr lang="en-US" sz="2700" kern="0" spc="-75" dirty="0">
+              <a:rPr lang="en-US" sz="2800" dirty="0">
                 <a:solidFill>
-                  <a:srgbClr val="FFFFFF"/>
+                  <a:schemeClr val="bg1"/>
                 </a:solidFill>
-                <a:latin typeface="DM Sans Regular" pitchFamily="34" charset="0"/>
-                <a:ea typeface="DM Sans Regular" pitchFamily="34" charset="-122"/>
-                <a:cs typeface="DM Sans Regular" pitchFamily="34" charset="-120"/>
               </a:rPr>
-              <a:t>[Motto]</a:t>
+              <a:t>Your AI Guide to Smarter, Healthier Bites.</a:t>
             </a:r>
-            <a:endParaRPr lang="en-US" sz="2700" dirty="0"/>
+            <a:endParaRPr lang="en-US" sz="2700" dirty="0">
+              <a:solidFill>
+                <a:schemeClr val="bg1"/>
+              </a:solidFill>
+            </a:endParaRPr>
           </a:p>
         </p:txBody>
       </p:sp>
@@ -1439,6 +1458,55 @@
           <a:bodyPr wrap="square" lIns="0" tIns="0" rIns="0" bIns="0" rtlCol="0" anchor="t"/>
           <a:lstStyle/>
           <a:p>
+            <a:pPr>
+              <a:lnSpc>
+                <a:spcPct val="116667"/>
+              </a:lnSpc>
+            </a:pPr>
+            <a:r>
+              <a:rPr lang="en-US" sz="2700" kern="0" spc="-75" dirty="0">
+                <a:solidFill>
+                  <a:srgbClr val="FFFFFF"/>
+                </a:solidFill>
+                <a:latin typeface="DM Sans Regular" pitchFamily="34" charset="0"/>
+                <a:ea typeface="DM Sans Regular" pitchFamily="34" charset="-122"/>
+                <a:cs typeface="DM Sans Regular" pitchFamily="34" charset="-120"/>
+              </a:rPr>
+              <a:t>We’re out in Rome and we’ve had too much pasta and pizza and our trousers are starting to split at the seams. What can do? We need to find a restaurant that is not only tasty but healthy! That’s where </a:t>
+            </a:r>
+            <a:r>
+              <a:rPr lang="en-US" sz="2800" b="1" kern="0" spc="-150" dirty="0">
+                <a:solidFill>
+                  <a:srgbClr val="FFFFFF"/>
+                </a:solidFill>
+                <a:latin typeface="Syne SemiBold" pitchFamily="2" charset="-18"/>
+                <a:ea typeface="Syne Bold" pitchFamily="34" charset="-122"/>
+              </a:rPr>
+              <a:t>M</a:t>
+            </a:r>
+            <a:r>
+              <a:rPr lang="en-US" sz="2800" b="1" kern="0" spc="-150" dirty="0">
+                <a:solidFill>
+                  <a:srgbClr val="D0772D"/>
+                </a:solidFill>
+                <a:latin typeface="Syne SemiBold" pitchFamily="2" charset="-18"/>
+                <a:ea typeface="Syne Bold" pitchFamily="34" charset="-122"/>
+              </a:rPr>
+              <a:t>aî</a:t>
+            </a:r>
+            <a:r>
+              <a:rPr lang="en-US" sz="2800" b="1" kern="0" spc="-150" dirty="0">
+                <a:solidFill>
+                  <a:srgbClr val="FFFFFF"/>
+                </a:solidFill>
+                <a:latin typeface="Syne SemiBold" pitchFamily="2" charset="-18"/>
+                <a:ea typeface="Syne Bold" pitchFamily="34" charset="-122"/>
+              </a:rPr>
+              <a:t>tre d comes in.</a:t>
+            </a:r>
+            <a:endParaRPr lang="en-US" sz="2800" dirty="0"/>
+          </a:p>
+          <a:p>
             <a:pPr marL="0" indent="0" algn="l">
               <a:lnSpc>
                 <a:spcPct val="116667"/>
@@ -1454,7 +1522,7 @@
                 <a:ea typeface="DM Sans Regular" pitchFamily="34" charset="-122"/>
                 <a:cs typeface="DM Sans Regular" pitchFamily="34" charset="-120"/>
               </a:rPr>
-              <a:t>[Scenario]</a:t>
+              <a:t> </a:t>
             </a:r>
             <a:endParaRPr lang="en-US" sz="2700" dirty="0"/>
           </a:p>
@@ -1538,7 +1606,7 @@
                 <a:ea typeface="DM Sans Regular" pitchFamily="34" charset="-122"/>
                 <a:cs typeface="DM Sans Regular" pitchFamily="34" charset="-120"/>
               </a:rPr>
-              <a:t>[Problem]</a:t>
+              <a:t>Keeping track of calories when out and about</a:t>
             </a:r>
             <a:endParaRPr lang="en-US" sz="2700" dirty="0"/>
           </a:p>
@@ -1622,7 +1690,7 @@
                 <a:ea typeface="DM Sans Regular" pitchFamily="34" charset="-122"/>
                 <a:cs typeface="DM Sans Regular" pitchFamily="34" charset="-120"/>
               </a:rPr>
-              <a:t>[Solution]</a:t>
+              <a:t>Being able to input meals that AI can track the calories for meals that you’ve had in the day by entering what you have eaten, then can suggest restaurants in your area whilst looking at their menus to provide suggestions.</a:t>
             </a:r>
             <a:endParaRPr lang="en-US" sz="2700" dirty="0"/>
           </a:p>
@@ -1777,7 +1845,7 @@
                 <a:ea typeface="DM Sans Bold" pitchFamily="34" charset="-122"/>
                 <a:cs typeface="DM Sans Bold" pitchFamily="34" charset="-120"/>
               </a:rPr>
-              <a:t>[One sentence goal]</a:t>
+              <a:t>Help the user make smarter choices when choosing where to eat</a:t>
             </a:r>
             <a:endParaRPr lang="en-US" sz="2700" dirty="0"/>
           </a:p>
@@ -1862,9 +1930,9 @@
                 <a:ea typeface="DM Sans Regular" pitchFamily="34" charset="-122"/>
                 <a:cs typeface="DM Sans Regular" pitchFamily="34" charset="-120"/>
               </a:rPr>
-              <a:t>[Measurable success criteria]
-[Measurable success criteria]
-[Measurable success criteria]</a:t>
+              <a:t>Track the macros that the user has consumed for the day
+Find restaurants in the area
+Look at the menus and suggest healthy options from recommended eateries</a:t>
             </a:r>
             <a:endParaRPr lang="en-US" sz="2700" dirty="0"/>
           </a:p>
@@ -2061,7 +2129,7 @@
                 <a:ea typeface="DM Sans Regular" pitchFamily="34" charset="-122"/>
                 <a:cs typeface="DM Sans Regular" pitchFamily="34" charset="-120"/>
               </a:rPr>
-              <a:t>[description of what it does]</a:t>
+              <a:t>Input a meal and calls an API to get the macros for this food. Tracks throughout the day and then find restaurants nearby</a:t>
             </a:r>
             <a:endParaRPr lang="en-US" sz="2700" dirty="0"/>
           </a:p>
@@ -2145,7 +2213,7 @@
                 <a:ea typeface="DM Sans Regular" pitchFamily="34" charset="-122"/>
                 <a:cs typeface="DM Sans Regular" pitchFamily="34" charset="-120"/>
               </a:rPr>
-              <a:t>[description of inputs]</a:t>
+              <a:t>Meals, dietary requirements, personal information to help build a personalized plan</a:t>
             </a:r>
             <a:endParaRPr lang="en-US" sz="2700" dirty="0"/>
           </a:p>
@@ -2159,7 +2227,7 @@
         </p:nvSpPr>
         <p:spPr>
           <a:xfrm>
-            <a:off x="13603286" y="2657475"/>
+            <a:off x="14057632" y="2657475"/>
             <a:ext cx="1533525" cy="457200"/>
           </a:xfrm>
           <a:prstGeom prst="rect">
@@ -2201,8 +2269,8 @@
         </p:nvSpPr>
         <p:spPr>
           <a:xfrm>
-            <a:off x="12020550" y="3305175"/>
-            <a:ext cx="4654550" cy="2933700"/>
+            <a:off x="12020549" y="3305175"/>
+            <a:ext cx="5607693" cy="2933700"/>
           </a:xfrm>
           <a:prstGeom prst="rect">
             <a:avLst/>
@@ -2229,8 +2297,54 @@
                 <a:ea typeface="DM Sans Regular" pitchFamily="34" charset="-122"/>
                 <a:cs typeface="DM Sans Regular" pitchFamily="34" charset="-120"/>
               </a:rPr>
-              <a:t>[description of outputs]</a:t>
+              <a:t>Macros (Calories, Protein, Carbs, Fat)</a:t>
             </a:r>
+          </a:p>
+          <a:p>
+            <a:pPr marL="0" indent="0" algn="ctr">
+              <a:lnSpc>
+                <a:spcPct val="116667"/>
+              </a:lnSpc>
+              <a:buNone/>
+            </a:pPr>
+            <a:r>
+              <a:rPr lang="en-US" sz="2700" kern="0" spc="-75" dirty="0">
+                <a:solidFill>
+                  <a:srgbClr val="FFFFFF"/>
+                </a:solidFill>
+                <a:latin typeface="DM Sans Regular" pitchFamily="34" charset="0"/>
+                <a:ea typeface="DM Sans Regular" pitchFamily="34" charset="-122"/>
+                <a:cs typeface="DM Sans Regular" pitchFamily="34" charset="-120"/>
+              </a:rPr>
+              <a:t>Nearby restaurants</a:t>
+            </a:r>
+          </a:p>
+          <a:p>
+            <a:pPr marL="0" indent="0" algn="ctr">
+              <a:lnSpc>
+                <a:spcPct val="116667"/>
+              </a:lnSpc>
+              <a:buNone/>
+            </a:pPr>
+            <a:r>
+              <a:rPr lang="en-US" sz="2700" kern="0" spc="-75" dirty="0">
+                <a:solidFill>
+                  <a:srgbClr val="FFFFFF"/>
+                </a:solidFill>
+                <a:latin typeface="DM Sans Regular" pitchFamily="34" charset="0"/>
+                <a:ea typeface="DM Sans Regular" pitchFamily="34" charset="-122"/>
+                <a:cs typeface="DM Sans Regular" pitchFamily="34" charset="-120"/>
+              </a:rPr>
+              <a:t>Menu Options</a:t>
+            </a:r>
+          </a:p>
+          <a:p>
+            <a:pPr marL="0" indent="0" algn="ctr">
+              <a:lnSpc>
+                <a:spcPct val="116667"/>
+              </a:lnSpc>
+              <a:buNone/>
+            </a:pPr>
             <a:endParaRPr lang="en-US" sz="2700" dirty="0"/>
           </a:p>
         </p:txBody>
@@ -2243,7 +2357,7 @@
         </p:nvSpPr>
         <p:spPr>
           <a:xfrm>
-            <a:off x="2571750" y="7000875"/>
+            <a:off x="1609725" y="7000875"/>
             <a:ext cx="2400300" cy="457200"/>
           </a:xfrm>
           <a:prstGeom prst="rect">
@@ -2285,8 +2399,8 @@
         </p:nvSpPr>
         <p:spPr>
           <a:xfrm>
-            <a:off x="2571750" y="7648575"/>
-            <a:ext cx="14103350" cy="1428750"/>
+            <a:off x="1609725" y="7648575"/>
+            <a:ext cx="15659703" cy="1428750"/>
           </a:xfrm>
           <a:prstGeom prst="rect">
             <a:avLst/>
@@ -2314,9 +2428,28 @@
                 <a:ea typeface="DM Sans Regular" pitchFamily="34" charset="-122"/>
                 <a:cs typeface="DM Sans Regular" pitchFamily="34" charset="-120"/>
               </a:rPr>
-              <a:t>[out of scope]
-[out of scope]
-[out of scope]</a:t>
+              <a:t>Recipe creator: Pass in ingredients and create meals based on what you have in the house
+Navigation: Find your way to the restaurant being aware of the weather and making choices based on that</a:t>
+            </a:r>
+          </a:p>
+          <a:p>
+            <a:pPr marL="457200" indent="-457200" algn="l">
+              <a:lnSpc>
+                <a:spcPct val="116667"/>
+              </a:lnSpc>
+              <a:buFont typeface="Arial" panose="020B0604020202020204" pitchFamily="34" charset="0"/>
+              <a:buChar char="•"/>
+            </a:pPr>
+            <a:r>
+              <a:rPr lang="en-US" sz="2700" kern="0" spc="-75" dirty="0">
+                <a:solidFill>
+                  <a:srgbClr val="FFFFFF"/>
+                </a:solidFill>
+                <a:latin typeface="DM Sans Regular" pitchFamily="34" charset="0"/>
+                <a:ea typeface="DM Sans Regular" pitchFamily="34" charset="-122"/>
+                <a:cs typeface="DM Sans Regular" pitchFamily="34" charset="-120"/>
+              </a:rPr>
+              <a:t>Trivia: Give you fun facts about the food you’re shoving in your face</a:t>
             </a:r>
             <a:endParaRPr lang="en-US" sz="2700" dirty="0"/>
           </a:p>
